--- a/IDB. Analysis of female participation in household labor income.pptx
+++ b/IDB. Analysis of female participation in household labor income.pptx
@@ -7361,7 +7361,7 @@
                   <a:schemeClr val="dk2"/>
                 </a:solidFill>
               </a:rPr>
-              <a:t>Moreover, an increase in the share of youth not in employment, education, or training reduces the household labor income contribution of women in that group.</a:t>
+              <a:t>Moreover, an increase in the share of youth not in employment, education, or training (NEET) reduces the household labor income contribution of women in that group.</a:t>
             </a:r>
           </a:p>
           <a:p>
@@ -8480,36 +8480,12 @@
               <a:buSzPts val="1100"/>
             </a:pPr>
             <a:r>
-              <a:rPr lang="es-AR" sz="1200" dirty="0" err="1">
-                <a:solidFill>
-                  <a:schemeClr val="dk2"/>
-                </a:solidFill>
-              </a:rPr>
-              <a:t>List</a:t>
-            </a:r>
-            <a:r>
               <a:rPr lang="es-AR" sz="1200" dirty="0">
                 <a:solidFill>
                   <a:schemeClr val="dk2"/>
                 </a:solidFill>
               </a:rPr>
-              <a:t> </a:t>
-            </a:r>
-            <a:r>
-              <a:rPr lang="es-AR" sz="1200" dirty="0" err="1">
-                <a:solidFill>
-                  <a:schemeClr val="dk2"/>
-                </a:solidFill>
-              </a:rPr>
-              <a:t>of</a:t>
-            </a:r>
-            <a:r>
-              <a:rPr lang="es-AR" sz="1200" dirty="0">
-                <a:solidFill>
-                  <a:schemeClr val="dk2"/>
-                </a:solidFill>
-              </a:rPr>
-              <a:t> variables </a:t>
+              <a:t>Variables </a:t>
             </a:r>
             <a:r>
               <a:rPr lang="es-AR" sz="1200" dirty="0" err="1">
